--- a/02_softwareEngineering10000ft/softwareEngineering10000ft_slides.pptx
+++ b/02_softwareEngineering10000ft/softwareEngineering10000ft_slides.pptx
@@ -9,6 +9,8 @@
     <p:sldId id="259" r:id="rId3"/>
     <p:sldId id="275" r:id="rId4"/>
     <p:sldId id="276" r:id="rId5"/>
+    <p:sldId id="277" r:id="rId6"/>
+    <p:sldId id="278" r:id="rId7"/>
   </p:sldIdLst>
   <p:sldSz cx="12192000" cy="6858000"/>
   <p:notesSz cx="6858000" cy="9144000"/>
@@ -257,7 +259,7 @@
           <a:p>
             <a:fld id="{311397B5-8C69-41E8-80AB-B2B64B3912C3}" type="datetimeFigureOut">
               <a:rPr lang="de-DE" smtClean="0"/>
-              <a:t>17.01.2018</a:t>
+              <a:t>13.09.2019</a:t>
             </a:fld>
             <a:endParaRPr lang="de-DE"/>
           </a:p>
@@ -427,7 +429,7 @@
           <a:p>
             <a:fld id="{311397B5-8C69-41E8-80AB-B2B64B3912C3}" type="datetimeFigureOut">
               <a:rPr lang="de-DE" smtClean="0"/>
-              <a:t>17.01.2018</a:t>
+              <a:t>13.09.2019</a:t>
             </a:fld>
             <a:endParaRPr lang="de-DE"/>
           </a:p>
@@ -607,7 +609,7 @@
           <a:p>
             <a:fld id="{311397B5-8C69-41E8-80AB-B2B64B3912C3}" type="datetimeFigureOut">
               <a:rPr lang="de-DE" smtClean="0"/>
-              <a:t>17.01.2018</a:t>
+              <a:t>13.09.2019</a:t>
             </a:fld>
             <a:endParaRPr lang="de-DE"/>
           </a:p>
@@ -777,7 +779,7 @@
           <a:p>
             <a:fld id="{311397B5-8C69-41E8-80AB-B2B64B3912C3}" type="datetimeFigureOut">
               <a:rPr lang="de-DE" smtClean="0"/>
-              <a:t>17.01.2018</a:t>
+              <a:t>13.09.2019</a:t>
             </a:fld>
             <a:endParaRPr lang="de-DE"/>
           </a:p>
@@ -1023,7 +1025,7 @@
           <a:p>
             <a:fld id="{311397B5-8C69-41E8-80AB-B2B64B3912C3}" type="datetimeFigureOut">
               <a:rPr lang="de-DE" smtClean="0"/>
-              <a:t>17.01.2018</a:t>
+              <a:t>13.09.2019</a:t>
             </a:fld>
             <a:endParaRPr lang="de-DE"/>
           </a:p>
@@ -1255,7 +1257,7 @@
           <a:p>
             <a:fld id="{311397B5-8C69-41E8-80AB-B2B64B3912C3}" type="datetimeFigureOut">
               <a:rPr lang="de-DE" smtClean="0"/>
-              <a:t>17.01.2018</a:t>
+              <a:t>13.09.2019</a:t>
             </a:fld>
             <a:endParaRPr lang="de-DE"/>
           </a:p>
@@ -1622,7 +1624,7 @@
           <a:p>
             <a:fld id="{311397B5-8C69-41E8-80AB-B2B64B3912C3}" type="datetimeFigureOut">
               <a:rPr lang="de-DE" smtClean="0"/>
-              <a:t>17.01.2018</a:t>
+              <a:t>13.09.2019</a:t>
             </a:fld>
             <a:endParaRPr lang="de-DE"/>
           </a:p>
@@ -1740,7 +1742,7 @@
           <a:p>
             <a:fld id="{311397B5-8C69-41E8-80AB-B2B64B3912C3}" type="datetimeFigureOut">
               <a:rPr lang="de-DE" smtClean="0"/>
-              <a:t>17.01.2018</a:t>
+              <a:t>13.09.2019</a:t>
             </a:fld>
             <a:endParaRPr lang="de-DE"/>
           </a:p>
@@ -1835,7 +1837,7 @@
           <a:p>
             <a:fld id="{311397B5-8C69-41E8-80AB-B2B64B3912C3}" type="datetimeFigureOut">
               <a:rPr lang="de-DE" smtClean="0"/>
-              <a:t>17.01.2018</a:t>
+              <a:t>13.09.2019</a:t>
             </a:fld>
             <a:endParaRPr lang="de-DE"/>
           </a:p>
@@ -2112,7 +2114,7 @@
           <a:p>
             <a:fld id="{311397B5-8C69-41E8-80AB-B2B64B3912C3}" type="datetimeFigureOut">
               <a:rPr lang="de-DE" smtClean="0"/>
-              <a:t>17.01.2018</a:t>
+              <a:t>13.09.2019</a:t>
             </a:fld>
             <a:endParaRPr lang="de-DE"/>
           </a:p>
@@ -2365,7 +2367,7 @@
           <a:p>
             <a:fld id="{311397B5-8C69-41E8-80AB-B2B64B3912C3}" type="datetimeFigureOut">
               <a:rPr lang="de-DE" smtClean="0"/>
-              <a:t>17.01.2018</a:t>
+              <a:t>13.09.2019</a:t>
             </a:fld>
             <a:endParaRPr lang="de-DE"/>
           </a:p>
@@ -2578,7 +2580,7 @@
           <a:p>
             <a:fld id="{311397B5-8C69-41E8-80AB-B2B64B3912C3}" type="datetimeFigureOut">
               <a:rPr lang="de-DE" smtClean="0"/>
-              <a:t>17.01.2018</a:t>
+              <a:t>13.09.2019</a:t>
             </a:fld>
             <a:endParaRPr lang="de-DE"/>
           </a:p>
@@ -3909,6 +3911,120 @@
 </p:sld>
 </file>
 
+<file path=ppt/slides/slide5.xml><?xml version="1.0" encoding="utf-8"?>
+<p:sld xmlns:a="http://schemas.openxmlformats.org/drawingml/2006/main" xmlns:r="http://schemas.openxmlformats.org/officeDocument/2006/relationships" xmlns:p="http://schemas.openxmlformats.org/presentationml/2006/main">
+  <p:cSld>
+    <p:spTree>
+      <p:nvGrpSpPr>
+        <p:cNvPr id="1" name=""/>
+        <p:cNvGrpSpPr/>
+        <p:nvPr/>
+      </p:nvGrpSpPr>
+      <p:grpSpPr>
+        <a:xfrm>
+          <a:off x="0" y="0"/>
+          <a:ext cx="0" cy="0"/>
+          <a:chOff x="0" y="0"/>
+          <a:chExt cx="0" cy="0"/>
+        </a:xfrm>
+      </p:grpSpPr>
+      <p:pic>
+        <p:nvPicPr>
+          <p:cNvPr id="4" name="Grafik 3"/>
+          <p:cNvPicPr>
+            <a:picLocks noChangeAspect="1"/>
+          </p:cNvPicPr>
+          <p:nvPr/>
+        </p:nvPicPr>
+        <p:blipFill>
+          <a:blip r:embed="rId2"/>
+          <a:stretch>
+            <a:fillRect/>
+          </a:stretch>
+        </p:blipFill>
+        <p:spPr>
+          <a:xfrm>
+            <a:off x="2224088" y="457200"/>
+            <a:ext cx="8101012" cy="6172200"/>
+          </a:xfrm>
+          <a:prstGeom prst="rect">
+            <a:avLst/>
+          </a:prstGeom>
+        </p:spPr>
+      </p:pic>
+    </p:spTree>
+    <p:extLst>
+      <p:ext uri="{BB962C8B-B14F-4D97-AF65-F5344CB8AC3E}">
+        <p14:creationId xmlns:p14="http://schemas.microsoft.com/office/powerpoint/2010/main" val="320106804"/>
+      </p:ext>
+    </p:extLst>
+  </p:cSld>
+  <p:clrMapOvr>
+    <a:masterClrMapping/>
+  </p:clrMapOvr>
+</p:sld>
+</file>
+
+<file path=ppt/slides/slide6.xml><?xml version="1.0" encoding="utf-8"?>
+<p:sld xmlns:a="http://schemas.openxmlformats.org/drawingml/2006/main" xmlns:r="http://schemas.openxmlformats.org/officeDocument/2006/relationships" xmlns:p="http://schemas.openxmlformats.org/presentationml/2006/main">
+  <p:cSld>
+    <p:spTree>
+      <p:nvGrpSpPr>
+        <p:cNvPr id="1" name=""/>
+        <p:cNvGrpSpPr/>
+        <p:nvPr/>
+      </p:nvGrpSpPr>
+      <p:grpSpPr>
+        <a:xfrm>
+          <a:off x="0" y="0"/>
+          <a:ext cx="0" cy="0"/>
+          <a:chOff x="0" y="0"/>
+          <a:chExt cx="0" cy="0"/>
+        </a:xfrm>
+      </p:grpSpPr>
+      <p:pic>
+        <p:nvPicPr>
+          <p:cNvPr id="4" name="Grafik 3"/>
+          <p:cNvPicPr>
+            <a:picLocks noChangeAspect="1"/>
+          </p:cNvPicPr>
+          <p:nvPr/>
+        </p:nvPicPr>
+        <p:blipFill>
+          <a:blip r:embed="rId2" cstate="print">
+            <a:extLst>
+              <a:ext uri="{28A0092B-C50C-407E-A947-70E740481C1C}">
+                <a14:useLocalDpi xmlns:a14="http://schemas.microsoft.com/office/drawing/2010/main" val="0"/>
+              </a:ext>
+            </a:extLst>
+          </a:blip>
+          <a:stretch>
+            <a:fillRect/>
+          </a:stretch>
+        </p:blipFill>
+        <p:spPr>
+          <a:xfrm>
+            <a:off x="952500" y="0"/>
+            <a:ext cx="10286999" cy="6858000"/>
+          </a:xfrm>
+          <a:prstGeom prst="rect">
+            <a:avLst/>
+          </a:prstGeom>
+        </p:spPr>
+      </p:pic>
+    </p:spTree>
+    <p:extLst>
+      <p:ext uri="{BB962C8B-B14F-4D97-AF65-F5344CB8AC3E}">
+        <p14:creationId xmlns:p14="http://schemas.microsoft.com/office/powerpoint/2010/main" val="3922181466"/>
+      </p:ext>
+    </p:extLst>
+  </p:cSld>
+  <p:clrMapOvr>
+    <a:masterClrMapping/>
+  </p:clrMapOvr>
+</p:sld>
+</file>
+
 <file path=ppt/theme/theme1.xml><?xml version="1.0" encoding="utf-8"?>
 <a:theme xmlns:a="http://schemas.openxmlformats.org/drawingml/2006/main" name="Office">
   <a:themeElements>
